--- a/navigation_design.pptx
+++ b/navigation_design.pptx
@@ -285,7 +285,7 @@
           <a:lstStyle/>
           <a:p>
             <a:fld id="{6227E118-7A95-054C-B1A1-D2C3D2FB9179}" type="datetimeFigureOut">
-              <a:t>14/4/15</a:t>
+              <a:t>18/4/15</a:t>
             </a:fld>
             <a:endParaRPr lang="en-US"/>
           </a:p>
@@ -451,7 +451,7 @@
           <a:lstStyle/>
           <a:p>
             <a:fld id="{6227E118-7A95-054C-B1A1-D2C3D2FB9179}" type="datetimeFigureOut">
-              <a:t>14/4/15</a:t>
+              <a:t>18/4/15</a:t>
             </a:fld>
             <a:endParaRPr lang="en-US"/>
           </a:p>
@@ -627,7 +627,7 @@
           <a:lstStyle/>
           <a:p>
             <a:fld id="{6227E118-7A95-054C-B1A1-D2C3D2FB9179}" type="datetimeFigureOut">
-              <a:t>14/4/15</a:t>
+              <a:t>18/4/15</a:t>
             </a:fld>
             <a:endParaRPr lang="en-US"/>
           </a:p>
@@ -793,7 +793,7 @@
           <a:lstStyle/>
           <a:p>
             <a:fld id="{6227E118-7A95-054C-B1A1-D2C3D2FB9179}" type="datetimeFigureOut">
-              <a:t>14/4/15</a:t>
+              <a:t>18/4/15</a:t>
             </a:fld>
             <a:endParaRPr lang="en-US"/>
           </a:p>
@@ -1036,7 +1036,7 @@
           <a:lstStyle/>
           <a:p>
             <a:fld id="{6227E118-7A95-054C-B1A1-D2C3D2FB9179}" type="datetimeFigureOut">
-              <a:t>14/4/15</a:t>
+              <a:t>18/4/15</a:t>
             </a:fld>
             <a:endParaRPr lang="en-US"/>
           </a:p>
@@ -1319,7 +1319,7 @@
           <a:lstStyle/>
           <a:p>
             <a:fld id="{6227E118-7A95-054C-B1A1-D2C3D2FB9179}" type="datetimeFigureOut">
-              <a:t>14/4/15</a:t>
+              <a:t>18/4/15</a:t>
             </a:fld>
             <a:endParaRPr lang="en-US"/>
           </a:p>
@@ -1741,7 +1741,7 @@
           <a:lstStyle/>
           <a:p>
             <a:fld id="{6227E118-7A95-054C-B1A1-D2C3D2FB9179}" type="datetimeFigureOut">
-              <a:t>14/4/15</a:t>
+              <a:t>18/4/15</a:t>
             </a:fld>
             <a:endParaRPr lang="en-US"/>
           </a:p>
@@ -1856,7 +1856,7 @@
           <a:lstStyle/>
           <a:p>
             <a:fld id="{6227E118-7A95-054C-B1A1-D2C3D2FB9179}" type="datetimeFigureOut">
-              <a:t>14/4/15</a:t>
+              <a:t>18/4/15</a:t>
             </a:fld>
             <a:endParaRPr lang="en-US"/>
           </a:p>
@@ -1949,7 +1949,7 @@
           <a:lstStyle/>
           <a:p>
             <a:fld id="{6227E118-7A95-054C-B1A1-D2C3D2FB9179}" type="datetimeFigureOut">
-              <a:t>14/4/15</a:t>
+              <a:t>18/4/15</a:t>
             </a:fld>
             <a:endParaRPr lang="en-US"/>
           </a:p>
@@ -2222,7 +2222,7 @@
           <a:lstStyle/>
           <a:p>
             <a:fld id="{6227E118-7A95-054C-B1A1-D2C3D2FB9179}" type="datetimeFigureOut">
-              <a:t>14/4/15</a:t>
+              <a:t>18/4/15</a:t>
             </a:fld>
             <a:endParaRPr lang="en-US"/>
           </a:p>
@@ -2472,7 +2472,7 @@
           <a:lstStyle/>
           <a:p>
             <a:fld id="{6227E118-7A95-054C-B1A1-D2C3D2FB9179}" type="datetimeFigureOut">
-              <a:t>14/4/15</a:t>
+              <a:t>18/4/15</a:t>
             </a:fld>
             <a:endParaRPr lang="en-US"/>
           </a:p>
@@ -2681,7 +2681,7 @@
           </a:lstStyle>
           <a:p>
             <a:fld id="{6227E118-7A95-054C-B1A1-D2C3D2FB9179}" type="datetimeFigureOut">
-              <a:t>14/4/15</a:t>
+              <a:t>18/4/15</a:t>
             </a:fld>
             <a:endParaRPr lang="en-US"/>
           </a:p>
@@ -3300,55 +3300,6 @@
           </a:p>
         </p:txBody>
       </p:sp>
-      <p:sp>
-        <p:nvSpPr>
-          <p:cNvPr id="9" name="Rectangle 8"/>
-          <p:cNvSpPr/>
-          <p:nvPr/>
-        </p:nvSpPr>
-        <p:spPr>
-          <a:xfrm>
-            <a:off x="2753818" y="5762531"/>
-            <a:ext cx="1072623" cy="414765"/>
-          </a:xfrm>
-          <a:prstGeom prst="rect">
-            <a:avLst/>
-          </a:prstGeom>
-          <a:solidFill>
-            <a:schemeClr val="tx1"/>
-          </a:solidFill>
-          <a:ln>
-            <a:solidFill>
-              <a:schemeClr val="tx1"/>
-            </a:solidFill>
-          </a:ln>
-        </p:spPr>
-        <p:style>
-          <a:lnRef idx="1">
-            <a:schemeClr val="accent1"/>
-          </a:lnRef>
-          <a:fillRef idx="3">
-            <a:schemeClr val="accent1"/>
-          </a:fillRef>
-          <a:effectRef idx="2">
-            <a:schemeClr val="accent1"/>
-          </a:effectRef>
-          <a:fontRef idx="minor">
-            <a:schemeClr val="lt1"/>
-          </a:fontRef>
-        </p:style>
-        <p:txBody>
-          <a:bodyPr rtlCol="0" anchor="ctr"/>
-          <a:lstStyle/>
-          <a:p>
-            <a:pPr algn="ctr"/>
-            <a:r>
-              <a:rPr lang="en-US"/>
-              <a:t>Playlist</a:t>
-            </a:r>
-          </a:p>
-        </p:txBody>
-      </p:sp>
       <p:cxnSp>
         <p:nvCxnSpPr>
           <p:cNvPr id="14" name="Elbow Connector 13"/>
@@ -3368,9 +3319,7 @@
           </a:prstGeom>
           <a:ln>
             <a:solidFill>
-              <a:schemeClr val="accent4">
-                <a:lumMod val="75000"/>
-              </a:schemeClr>
+              <a:srgbClr val="FF0000"/>
             </a:solidFill>
             <a:tailEnd type="none"/>
           </a:ln>
@@ -3507,79 +3456,6 @@
           </a:fontRef>
         </p:style>
       </p:cxnSp>
-      <p:cxnSp>
-        <p:nvCxnSpPr>
-          <p:cNvPr id="21" name="Elbow Connector 20"/>
-          <p:cNvCxnSpPr>
-            <a:stCxn id="5" idx="1"/>
-            <a:endCxn id="9" idx="1"/>
-          </p:cNvCxnSpPr>
-          <p:nvPr/>
-        </p:nvCxnSpPr>
-        <p:spPr>
-          <a:xfrm rot="10800000" flipH="1" flipV="1">
-            <a:off x="1121938" y="3065428"/>
-            <a:ext cx="1631879" cy="2904485"/>
-          </a:xfrm>
-          <a:prstGeom prst="bentConnector3">
-            <a:avLst>
-              <a:gd name="adj1" fmla="val -14008"/>
-            </a:avLst>
-          </a:prstGeom>
-          <a:ln>
-            <a:tailEnd type="none"/>
-          </a:ln>
-        </p:spPr>
-        <p:style>
-          <a:lnRef idx="2">
-            <a:schemeClr val="accent1"/>
-          </a:lnRef>
-          <a:fillRef idx="0">
-            <a:schemeClr val="accent1"/>
-          </a:fillRef>
-          <a:effectRef idx="1">
-            <a:schemeClr val="accent1"/>
-          </a:effectRef>
-          <a:fontRef idx="minor">
-            <a:schemeClr val="tx1"/>
-          </a:fontRef>
-        </p:style>
-      </p:cxnSp>
-      <p:sp>
-        <p:nvSpPr>
-          <p:cNvPr id="46" name="TextBox 45"/>
-          <p:cNvSpPr txBox="1"/>
-          <p:nvPr/>
-        </p:nvSpPr>
-        <p:spPr>
-          <a:xfrm>
-            <a:off x="4042355" y="6344392"/>
-            <a:ext cx="1920477" cy="1384995"/>
-          </a:xfrm>
-          <a:prstGeom prst="rect">
-            <a:avLst/>
-          </a:prstGeom>
-          <a:noFill/>
-        </p:spPr>
-        <p:txBody>
-          <a:bodyPr wrap="square" rtlCol="0">
-            <a:spAutoFit/>
-          </a:bodyPr>
-          <a:lstStyle/>
-          <a:p>
-            <a:r>
-              <a:rPr lang="en-US" sz="1400"/>
-              <a:t>Sign up and log in functions are on the same home page.</a:t>
-            </a:r>
-          </a:p>
-          <a:p>
-            <a:r>
-              <a:rPr lang="en-US" sz="1400"/>
-              <a:t>When a new user signs up, he/she is taken to the profile page.</a:t>
-            </a:r>
-          </a:p>
-        </p:txBody>
-      </p:sp>
       <p:sp>
         <p:nvSpPr>
           <p:cNvPr id="65" name="TextBox 64"/>
@@ -3730,28 +3606,236 @@
           </a:fontRef>
         </p:style>
       </p:cxnSp>
+      <p:sp>
+        <p:nvSpPr>
+          <p:cNvPr id="111" name="TextBox 110"/>
+          <p:cNvSpPr txBox="1"/>
+          <p:nvPr/>
+        </p:nvSpPr>
+        <p:spPr>
+          <a:xfrm>
+            <a:off x="1788523" y="8216321"/>
+            <a:ext cx="4215803" cy="523220"/>
+          </a:xfrm>
+          <a:prstGeom prst="rect">
+            <a:avLst/>
+          </a:prstGeom>
+          <a:noFill/>
+        </p:spPr>
+        <p:txBody>
+          <a:bodyPr wrap="square" rtlCol="0">
+            <a:spAutoFit/>
+          </a:bodyPr>
+          <a:lstStyle/>
+          <a:p>
+            <a:r>
+              <a:rPr lang="en-US" sz="1400"/>
+              <a:t>Signs up and be taken to profile page.</a:t>
+            </a:r>
+          </a:p>
+          <a:p>
+            <a:r>
+              <a:rPr lang="en-US" sz="1400"/>
+              <a:t>View other people’s profile page.</a:t>
+            </a:r>
+          </a:p>
+        </p:txBody>
+      </p:sp>
+      <p:sp>
+        <p:nvSpPr>
+          <p:cNvPr id="114" name="TextBox 113"/>
+          <p:cNvSpPr txBox="1"/>
+          <p:nvPr/>
+        </p:nvSpPr>
+        <p:spPr>
+          <a:xfrm>
+            <a:off x="1765618" y="6567758"/>
+            <a:ext cx="4233931" cy="523220"/>
+          </a:xfrm>
+          <a:prstGeom prst="rect">
+            <a:avLst/>
+          </a:prstGeom>
+          <a:noFill/>
+        </p:spPr>
+        <p:txBody>
+          <a:bodyPr wrap="square" rtlCol="0">
+            <a:spAutoFit/>
+          </a:bodyPr>
+          <a:lstStyle/>
+          <a:p>
+            <a:r>
+              <a:rPr lang="en-US" sz="1400"/>
+              <a:t>Visitors can search for tracks, albums and collaborations but need to login to access individual playlists.</a:t>
+            </a:r>
+          </a:p>
+        </p:txBody>
+      </p:sp>
       <p:cxnSp>
         <p:nvCxnSpPr>
-          <p:cNvPr id="105" name="Elbow Connector 104"/>
+          <p:cNvPr id="23" name="Straight Connector 22"/>
           <p:cNvCxnSpPr>
-            <a:stCxn id="4" idx="2"/>
-            <a:endCxn id="5" idx="3"/>
+            <a:stCxn id="7" idx="0"/>
+            <a:endCxn id="6" idx="2"/>
           </p:cNvCxnSpPr>
           <p:nvPr/>
         </p:nvCxnSpPr>
         <p:spPr>
-          <a:xfrm rot="5400000">
-            <a:off x="1872342" y="1357912"/>
-            <a:ext cx="2029737" cy="1385296"/>
-          </a:xfrm>
-          <a:prstGeom prst="bentConnector2">
+          <a:xfrm flipV="1">
+            <a:off x="3290130" y="4082126"/>
+            <a:ext cx="0" cy="361789"/>
+          </a:xfrm>
+          <a:prstGeom prst="line">
+            <a:avLst/>
+          </a:prstGeom>
+          <a:ln>
+            <a:solidFill>
+              <a:srgbClr val="FF6600"/>
+            </a:solidFill>
+            <a:tailEnd type="none"/>
+          </a:ln>
+        </p:spPr>
+        <p:style>
+          <a:lnRef idx="2">
+            <a:schemeClr val="accent1"/>
+          </a:lnRef>
+          <a:fillRef idx="0">
+            <a:schemeClr val="accent1"/>
+          </a:fillRef>
+          <a:effectRef idx="1">
+            <a:schemeClr val="accent1"/>
+          </a:effectRef>
+          <a:fontRef idx="minor">
+            <a:schemeClr val="tx1"/>
+          </a:fontRef>
+        </p:style>
+      </p:cxnSp>
+      <p:cxnSp>
+        <p:nvCxnSpPr>
+          <p:cNvPr id="28" name="Straight Connector 27"/>
+          <p:cNvCxnSpPr/>
+          <p:nvPr/>
+        </p:nvCxnSpPr>
+        <p:spPr>
+          <a:xfrm>
+            <a:off x="489082" y="6057875"/>
+            <a:ext cx="1169168" cy="0"/>
+          </a:xfrm>
+          <a:prstGeom prst="line">
+            <a:avLst/>
+          </a:prstGeom>
+          <a:ln>
+            <a:solidFill>
+              <a:srgbClr val="FF6600"/>
+            </a:solidFill>
+            <a:tailEnd type="arrow"/>
+          </a:ln>
+        </p:spPr>
+        <p:style>
+          <a:lnRef idx="2">
+            <a:schemeClr val="accent1"/>
+          </a:lnRef>
+          <a:fillRef idx="0">
+            <a:schemeClr val="accent1"/>
+          </a:fillRef>
+          <a:effectRef idx="1">
+            <a:schemeClr val="accent1"/>
+          </a:effectRef>
+          <a:fontRef idx="minor">
+            <a:schemeClr val="tx1"/>
+          </a:fontRef>
+        </p:style>
+      </p:cxnSp>
+      <p:cxnSp>
+        <p:nvCxnSpPr>
+          <p:cNvPr id="41" name="Straight Connector 40"/>
+          <p:cNvCxnSpPr/>
+          <p:nvPr/>
+        </p:nvCxnSpPr>
+        <p:spPr>
+          <a:xfrm>
+            <a:off x="489082" y="6841303"/>
+            <a:ext cx="1169168" cy="0"/>
+          </a:xfrm>
+          <a:prstGeom prst="line">
+            <a:avLst/>
+          </a:prstGeom>
+          <a:ln>
+            <a:solidFill>
+              <a:srgbClr val="008000"/>
+            </a:solidFill>
+            <a:tailEnd type="arrow"/>
+          </a:ln>
+        </p:spPr>
+        <p:style>
+          <a:lnRef idx="2">
+            <a:schemeClr val="accent1"/>
+          </a:lnRef>
+          <a:fillRef idx="0">
+            <a:schemeClr val="accent1"/>
+          </a:fillRef>
+          <a:effectRef idx="1">
+            <a:schemeClr val="accent1"/>
+          </a:effectRef>
+          <a:fontRef idx="minor">
+            <a:schemeClr val="tx1"/>
+          </a:fontRef>
+        </p:style>
+      </p:cxnSp>
+      <p:cxnSp>
+        <p:nvCxnSpPr>
+          <p:cNvPr id="42" name="Straight Connector 41"/>
+          <p:cNvCxnSpPr/>
+          <p:nvPr/>
+        </p:nvCxnSpPr>
+        <p:spPr>
+          <a:xfrm>
+            <a:off x="489082" y="7645865"/>
+            <a:ext cx="1169168" cy="0"/>
+          </a:xfrm>
+          <a:prstGeom prst="line">
+            <a:avLst/>
+          </a:prstGeom>
+          <a:ln>
+            <a:solidFill>
+              <a:srgbClr val="FFFF00"/>
+            </a:solidFill>
+            <a:tailEnd type="arrow"/>
+          </a:ln>
+        </p:spPr>
+        <p:style>
+          <a:lnRef idx="2">
+            <a:schemeClr val="accent1"/>
+          </a:lnRef>
+          <a:fillRef idx="0">
+            <a:schemeClr val="accent1"/>
+          </a:fillRef>
+          <a:effectRef idx="1">
+            <a:schemeClr val="accent1"/>
+          </a:effectRef>
+          <a:fontRef idx="minor">
+            <a:schemeClr val="tx1"/>
+          </a:fontRef>
+        </p:style>
+      </p:cxnSp>
+      <p:cxnSp>
+        <p:nvCxnSpPr>
+          <p:cNvPr id="43" name="Straight Connector 42"/>
+          <p:cNvCxnSpPr/>
+          <p:nvPr/>
+        </p:nvCxnSpPr>
+        <p:spPr>
+          <a:xfrm>
+            <a:off x="489082" y="8474090"/>
+            <a:ext cx="1169168" cy="0"/>
+          </a:xfrm>
+          <a:prstGeom prst="line">
             <a:avLst/>
           </a:prstGeom>
           <a:ln>
             <a:solidFill>
               <a:srgbClr val="FF0000"/>
             </a:solidFill>
-            <a:tailEnd type="none"/>
+            <a:tailEnd type="arrow"/>
           </a:ln>
         </p:spPr>
         <p:style>
@@ -3771,14 +3855,14 @@
       </p:cxnSp>
       <p:sp>
         <p:nvSpPr>
-          <p:cNvPr id="111" name="TextBox 110"/>
+          <p:cNvPr id="29" name="TextBox 28"/>
           <p:cNvSpPr txBox="1"/>
           <p:nvPr/>
         </p:nvSpPr>
         <p:spPr>
           <a:xfrm>
-            <a:off x="3579859" y="1136114"/>
-            <a:ext cx="1046520" cy="738664"/>
+            <a:off x="1788523" y="5796265"/>
+            <a:ext cx="3660230" cy="523220"/>
           </a:xfrm>
           <a:prstGeom prst="rect">
             <a:avLst/>
@@ -3793,21 +3877,21 @@
           <a:p>
             <a:r>
               <a:rPr lang="en-US" sz="1400"/>
-              <a:t>View other people’s profile page</a:t>
-            </a:r>
-          </a:p>
-        </p:txBody>
-      </p:sp>
-      <p:sp>
-        <p:nvSpPr>
-          <p:cNvPr id="112" name="TextBox 111"/>
+              <a:t>User can access the individual tracks grom the album page.</a:t>
+            </a:r>
+          </a:p>
+        </p:txBody>
+      </p:sp>
+      <p:sp>
+        <p:nvSpPr>
+          <p:cNvPr id="30" name="TextBox 29"/>
           <p:cNvSpPr txBox="1"/>
           <p:nvPr/>
         </p:nvSpPr>
         <p:spPr>
           <a:xfrm>
-            <a:off x="566858" y="1344579"/>
-            <a:ext cx="1110161" cy="738664"/>
+            <a:off x="1749611" y="7384255"/>
+            <a:ext cx="4153657" cy="523220"/>
           </a:xfrm>
           <a:prstGeom prst="rect">
             <a:avLst/>
@@ -3822,21 +3906,21 @@
           <a:p>
             <a:r>
               <a:rPr lang="en-US" sz="1400"/>
-              <a:t>signs up and is taken to profile page</a:t>
-            </a:r>
-          </a:p>
-        </p:txBody>
-      </p:sp>
-      <p:sp>
-        <p:nvSpPr>
-          <p:cNvPr id="113" name="TextBox 112"/>
+              <a:t>From the user’s profile page, he/she can accessed his/her own tracks, albums or collaborations.</a:t>
+            </a:r>
+          </a:p>
+        </p:txBody>
+      </p:sp>
+      <p:sp>
+        <p:nvSpPr>
+          <p:cNvPr id="31" name="TextBox 30"/>
           <p:cNvSpPr txBox="1"/>
           <p:nvPr/>
         </p:nvSpPr>
         <p:spPr>
           <a:xfrm>
-            <a:off x="947798" y="6344392"/>
-            <a:ext cx="1458442" cy="2246769"/>
+            <a:off x="2694397" y="2014649"/>
+            <a:ext cx="2384453" cy="461665"/>
           </a:xfrm>
           <a:prstGeom prst="rect">
             <a:avLst/>
@@ -3850,113 +3934,25 @@
           <a:lstStyle/>
           <a:p>
             <a:r>
-              <a:rPr lang="en-US" sz="1400"/>
-              <a:t>From user’s profile page, he can access tracks, albums and collaborations of own/artists.</a:t>
-            </a:r>
-          </a:p>
-          <a:p>
-            <a:endParaRPr lang="en-US" sz="1400"/>
-          </a:p>
-          <a:p>
-            <a:r>
-              <a:rPr lang="en-US" sz="1400"/>
-              <a:t>All playlists are listed in the profile page.</a:t>
-            </a:r>
-          </a:p>
-        </p:txBody>
-      </p:sp>
-      <p:sp>
-        <p:nvSpPr>
-          <p:cNvPr id="114" name="TextBox 113"/>
-          <p:cNvSpPr txBox="1"/>
-          <p:nvPr/>
-        </p:nvSpPr>
-        <p:spPr>
-          <a:xfrm>
-            <a:off x="4042355" y="2489749"/>
-            <a:ext cx="1732661" cy="1384995"/>
-          </a:xfrm>
-          <a:prstGeom prst="rect">
-            <a:avLst/>
-          </a:prstGeom>
-          <a:noFill/>
-        </p:spPr>
-        <p:txBody>
-          <a:bodyPr wrap="square" rtlCol="0">
-            <a:spAutoFit/>
-          </a:bodyPr>
-          <a:lstStyle/>
-          <a:p>
-            <a:r>
-              <a:rPr lang="en-US" sz="1400"/>
-              <a:t>Visitors can search for tracks, albums and collaborations but need to login to access individual playlists.</a:t>
-            </a:r>
-          </a:p>
-        </p:txBody>
-      </p:sp>
-      <p:cxnSp>
-        <p:nvCxnSpPr>
-          <p:cNvPr id="118" name="Elbow Connector 117"/>
-          <p:cNvCxnSpPr>
-            <a:stCxn id="9" idx="3"/>
-          </p:cNvCxnSpPr>
-          <p:nvPr/>
-        </p:nvCxnSpPr>
-        <p:spPr>
-          <a:xfrm flipV="1">
-            <a:off x="3826441" y="2858046"/>
-            <a:ext cx="1844895" cy="3111868"/>
-          </a:xfrm>
-          <a:prstGeom prst="bentConnector2">
-            <a:avLst/>
-          </a:prstGeom>
-          <a:ln>
-            <a:solidFill>
-              <a:srgbClr val="008000"/>
-            </a:solidFill>
-            <a:tailEnd type="none"/>
-          </a:ln>
-        </p:spPr>
-        <p:style>
-          <a:lnRef idx="2">
-            <a:schemeClr val="accent1"/>
-          </a:lnRef>
-          <a:fillRef idx="0">
-            <a:schemeClr val="accent1"/>
-          </a:fillRef>
-          <a:effectRef idx="1">
-            <a:schemeClr val="accent1"/>
-          </a:effectRef>
-          <a:fontRef idx="minor">
-            <a:schemeClr val="tx1"/>
-          </a:fontRef>
-        </p:style>
-      </p:cxnSp>
-      <p:sp>
-        <p:nvSpPr>
-          <p:cNvPr id="121" name="TextBox 120"/>
-          <p:cNvSpPr txBox="1"/>
-          <p:nvPr/>
-        </p:nvSpPr>
-        <p:spPr>
-          <a:xfrm>
-            <a:off x="2618197" y="6344392"/>
-            <a:ext cx="1237703" cy="1384995"/>
-          </a:xfrm>
-          <a:prstGeom prst="rect">
-            <a:avLst/>
-          </a:prstGeom>
-          <a:noFill/>
-        </p:spPr>
-        <p:txBody>
-          <a:bodyPr wrap="square" rtlCol="0">
-            <a:spAutoFit/>
-          </a:bodyPr>
-          <a:lstStyle/>
-          <a:p>
-            <a:r>
-              <a:rPr lang="en-US" sz="1400"/>
-              <a:t>From every page, user can return to the homepage using the home button.</a:t>
+              <a:rPr lang="en-US" sz="2400" b="1" i="1">
+                <a:latin typeface="+mj-lt"/>
+              </a:rPr>
+              <a:t>Hit</a:t>
+            </a:r>
+            <a:r>
+              <a:rPr lang="en-US" sz="2400" b="1" i="1">
+                <a:solidFill>
+                  <a:srgbClr val="FF6600"/>
+                </a:solidFill>
+                <a:latin typeface="+mj-lt"/>
+              </a:rPr>
+              <a:t>Play</a:t>
+            </a:r>
+            <a:r>
+              <a:rPr lang="en-US" sz="2400" b="1" i="1">
+                <a:latin typeface="+mj-lt"/>
+              </a:rPr>
+              <a:t>Share</a:t>
             </a:r>
           </a:p>
         </p:txBody>
